--- a/doc/slides/day1/session4/NGSAnalyses.pptx
+++ b/doc/slides/day1/session4/NGSAnalyses.pptx
@@ -5,10 +5,12 @@
     <p:sldMasterId id="2147483648" r:id="rId1"/>
   </p:sldMasterIdLst>
   <p:notesMasterIdLst>
-    <p:notesMasterId r:id="rId3"/>
+    <p:notesMasterId r:id="rId5"/>
   </p:notesMasterIdLst>
   <p:sldIdLst>
     <p:sldId id="256" r:id="rId2"/>
+    <p:sldId id="257" r:id="rId3"/>
+    <p:sldId id="258" r:id="rId4"/>
   </p:sldIdLst>
   <p:sldSz cx="9144000" cy="6858000" type="screen4x3"/>
   <p:notesSz cx="6858000" cy="9144000"/>
@@ -193,7 +195,7 @@
             <a:fld id="{7F2416E4-91AF-C94B-A1BC-2728F95D87A7}" type="datetimeFigureOut">
               <a:rPr lang="en-US" smtClean="0"/>
               <a:pPr/>
-              <a:t>8/29/12</a:t>
+              <a:t>9/3/12</a:t>
             </a:fld>
             <a:endParaRPr lang="en-US"/>
           </a:p>
@@ -531,11 +533,7 @@
             </a:r>
             <a:r>
               <a:rPr lang="en-US" baseline="0" dirty="0" err="1" smtClean="0"/>
-              <a:t>http://bioinf.comav.upv.es/courses/sequence_analysis/</a:t>
-            </a:r>
-            <a:r>
-              <a:rPr lang="en-US" baseline="0" dirty="0" err="1" smtClean="0"/>
-              <a:t>sequence_file_formats.html</a:t>
+              <a:t>http://bioinf.comav.upv.es/courses/sequence_analysis/sequence_file_formats.html</a:t>
             </a:r>
             <a:r>
               <a:rPr lang="en-US" baseline="0" dirty="0" smtClean="0"/>
@@ -572,6 +570,108 @@
               <a:rPr lang="en-US" smtClean="0"/>
               <a:pPr/>
               <a:t>1</a:t>
+            </a:fld>
+            <a:endParaRPr lang="en-US"/>
+          </a:p>
+        </p:txBody>
+      </p:sp>
+    </p:spTree>
+  </p:cSld>
+  <p:clrMapOvr>
+    <a:masterClrMapping/>
+  </p:clrMapOvr>
+</p:notes>
+</file>
+
+<file path=ppt/notesSlides/notesSlide2.xml><?xml version="1.0" encoding="utf-8"?>
+<p:notes xmlns:a="http://schemas.openxmlformats.org/drawingml/2006/main" xmlns:r="http://schemas.openxmlformats.org/officeDocument/2006/relationships" xmlns:mc="http://schemas.openxmlformats.org/markup-compatibility/2006" xmlns:mv="urn:schemas-microsoft-com:mac:vml" xmlns:p="http://schemas.openxmlformats.org/presentationml/2006/main" mc:Ignorable="mv" mc:PreserveAttributes="mv:*">
+  <p:cSld>
+    <p:spTree>
+      <p:nvGrpSpPr>
+        <p:cNvPr id="1" name=""/>
+        <p:cNvGrpSpPr/>
+        <p:nvPr/>
+      </p:nvGrpSpPr>
+      <p:grpSpPr>
+        <a:xfrm>
+          <a:off x="0" y="0"/>
+          <a:ext cx="0" cy="0"/>
+          <a:chOff x="0" y="0"/>
+          <a:chExt cx="0" cy="0"/>
+        </a:xfrm>
+      </p:grpSpPr>
+      <p:sp>
+        <p:nvSpPr>
+          <p:cNvPr id="2" name="Slide Image Placeholder 1"/>
+          <p:cNvSpPr>
+            <a:spLocks noGrp="1" noRot="1" noChangeAspect="1"/>
+          </p:cNvSpPr>
+          <p:nvPr>
+            <p:ph type="sldImg"/>
+          </p:nvPr>
+        </p:nvSpPr>
+        <p:spPr/>
+      </p:sp>
+      <p:sp>
+        <p:nvSpPr>
+          <p:cNvPr id="3" name="Notes Placeholder 2"/>
+          <p:cNvSpPr>
+            <a:spLocks noGrp="1"/>
+          </p:cNvSpPr>
+          <p:nvPr>
+            <p:ph type="body" idx="1"/>
+          </p:nvPr>
+        </p:nvSpPr>
+        <p:spPr/>
+        <p:txBody>
+          <a:bodyPr>
+            <a:normAutofit/>
+          </a:bodyPr>
+          <a:lstStyle/>
+          <a:p>
+            <a:r>
+              <a:rPr lang="en-US" dirty="0" smtClean="0"/>
+              <a:t>For this exercise, we compile</a:t>
+            </a:r>
+            <a:r>
+              <a:rPr lang="en-US" baseline="0" dirty="0" smtClean="0"/>
+              <a:t> </a:t>
+            </a:r>
+            <a:r>
+              <a:rPr lang="en-US" baseline="0" dirty="0" err="1" smtClean="0"/>
+              <a:t>samtools</a:t>
+            </a:r>
+            <a:r>
+              <a:rPr lang="en-US" baseline="0" dirty="0" smtClean="0"/>
+              <a:t> (?) and do some basic conversion on the </a:t>
+            </a:r>
+            <a:r>
+              <a:rPr lang="en-US" baseline="0" smtClean="0"/>
+              <a:t>command line.</a:t>
+            </a:r>
+            <a:endParaRPr lang="en-US"/>
+          </a:p>
+        </p:txBody>
+      </p:sp>
+      <p:sp>
+        <p:nvSpPr>
+          <p:cNvPr id="4" name="Slide Number Placeholder 3"/>
+          <p:cNvSpPr>
+            <a:spLocks noGrp="1"/>
+          </p:cNvSpPr>
+          <p:nvPr>
+            <p:ph type="sldNum" sz="quarter" idx="10"/>
+          </p:nvPr>
+        </p:nvSpPr>
+        <p:spPr/>
+        <p:txBody>
+          <a:bodyPr/>
+          <a:lstStyle/>
+          <a:p>
+            <a:fld id="{581ECEAC-9ACA-174F-B852-C688BB81823B}" type="slidenum">
+              <a:rPr lang="en-US" smtClean="0"/>
+              <a:pPr/>
+              <a:t>3</a:t>
             </a:fld>
             <a:endParaRPr lang="en-US"/>
           </a:p>
@@ -767,7 +867,7 @@
             <a:fld id="{F3BCCCC7-6A45-A647-850E-B4CE4DABA2A7}" type="datetimeFigureOut">
               <a:rPr lang="en-US" smtClean="0"/>
               <a:pPr/>
-              <a:t>8/29/12</a:t>
+              <a:t>9/3/12</a:t>
             </a:fld>
             <a:endParaRPr lang="en-US"/>
           </a:p>
@@ -934,7 +1034,7 @@
             <a:fld id="{F3BCCCC7-6A45-A647-850E-B4CE4DABA2A7}" type="datetimeFigureOut">
               <a:rPr lang="en-US" smtClean="0"/>
               <a:pPr/>
-              <a:t>8/29/12</a:t>
+              <a:t>9/3/12</a:t>
             </a:fld>
             <a:endParaRPr lang="en-US"/>
           </a:p>
@@ -1111,7 +1211,7 @@
             <a:fld id="{F3BCCCC7-6A45-A647-850E-B4CE4DABA2A7}" type="datetimeFigureOut">
               <a:rPr lang="en-US" smtClean="0"/>
               <a:pPr/>
-              <a:t>8/29/12</a:t>
+              <a:t>9/3/12</a:t>
             </a:fld>
             <a:endParaRPr lang="en-US"/>
           </a:p>
@@ -1278,7 +1378,7 @@
             <a:fld id="{F3BCCCC7-6A45-A647-850E-B4CE4DABA2A7}" type="datetimeFigureOut">
               <a:rPr lang="en-US" smtClean="0"/>
               <a:pPr/>
-              <a:t>8/29/12</a:t>
+              <a:t>9/3/12</a:t>
             </a:fld>
             <a:endParaRPr lang="en-US"/>
           </a:p>
@@ -1521,7 +1621,7 @@
             <a:fld id="{F3BCCCC7-6A45-A647-850E-B4CE4DABA2A7}" type="datetimeFigureOut">
               <a:rPr lang="en-US" smtClean="0"/>
               <a:pPr/>
-              <a:t>8/29/12</a:t>
+              <a:t>9/3/12</a:t>
             </a:fld>
             <a:endParaRPr lang="en-US"/>
           </a:p>
@@ -1806,7 +1906,7 @@
             <a:fld id="{F3BCCCC7-6A45-A647-850E-B4CE4DABA2A7}" type="datetimeFigureOut">
               <a:rPr lang="en-US" smtClean="0"/>
               <a:pPr/>
-              <a:t>8/29/12</a:t>
+              <a:t>9/3/12</a:t>
             </a:fld>
             <a:endParaRPr lang="en-US"/>
           </a:p>
@@ -2225,7 +2325,7 @@
             <a:fld id="{F3BCCCC7-6A45-A647-850E-B4CE4DABA2A7}" type="datetimeFigureOut">
               <a:rPr lang="en-US" smtClean="0"/>
               <a:pPr/>
-              <a:t>8/29/12</a:t>
+              <a:t>9/3/12</a:t>
             </a:fld>
             <a:endParaRPr lang="en-US"/>
           </a:p>
@@ -2340,7 +2440,7 @@
             <a:fld id="{F3BCCCC7-6A45-A647-850E-B4CE4DABA2A7}" type="datetimeFigureOut">
               <a:rPr lang="en-US" smtClean="0"/>
               <a:pPr/>
-              <a:t>8/29/12</a:t>
+              <a:t>9/3/12</a:t>
             </a:fld>
             <a:endParaRPr lang="en-US"/>
           </a:p>
@@ -2432,7 +2532,7 @@
             <a:fld id="{F3BCCCC7-6A45-A647-850E-B4CE4DABA2A7}" type="datetimeFigureOut">
               <a:rPr lang="en-US" smtClean="0"/>
               <a:pPr/>
-              <a:t>8/29/12</a:t>
+              <a:t>9/3/12</a:t>
             </a:fld>
             <a:endParaRPr lang="en-US"/>
           </a:p>
@@ -2706,7 +2806,7 @@
             <a:fld id="{F3BCCCC7-6A45-A647-850E-B4CE4DABA2A7}" type="datetimeFigureOut">
               <a:rPr lang="en-US" smtClean="0"/>
               <a:pPr/>
-              <a:t>8/29/12</a:t>
+              <a:t>9/3/12</a:t>
             </a:fld>
             <a:endParaRPr lang="en-US"/>
           </a:p>
@@ -2956,7 +3056,7 @@
             <a:fld id="{F3BCCCC7-6A45-A647-850E-B4CE4DABA2A7}" type="datetimeFigureOut">
               <a:rPr lang="en-US" smtClean="0"/>
               <a:pPr/>
-              <a:t>8/29/12</a:t>
+              <a:t>9/3/12</a:t>
             </a:fld>
             <a:endParaRPr lang="en-US"/>
           </a:p>
@@ -3166,7 +3266,7 @@
             <a:fld id="{F3BCCCC7-6A45-A647-850E-B4CE4DABA2A7}" type="datetimeFigureOut">
               <a:rPr lang="en-US" smtClean="0"/>
               <a:pPr/>
-              <a:t>8/29/12</a:t>
+              <a:t>9/3/12</a:t>
             </a:fld>
             <a:endParaRPr lang="en-US"/>
           </a:p>
@@ -3580,6 +3680,140 @@
               <a:t>11 September 2012, 16.30-18.00</a:t>
             </a:r>
             <a:endParaRPr lang="en-US" dirty="0"/>
+          </a:p>
+        </p:txBody>
+      </p:sp>
+    </p:spTree>
+  </p:cSld>
+  <p:clrMapOvr>
+    <a:masterClrMapping/>
+  </p:clrMapOvr>
+</p:sld>
+</file>
+
+<file path=ppt/slides/slide2.xml><?xml version="1.0" encoding="utf-8"?>
+<p:sld xmlns:a="http://schemas.openxmlformats.org/drawingml/2006/main" xmlns:r="http://schemas.openxmlformats.org/officeDocument/2006/relationships" xmlns:mc="http://schemas.openxmlformats.org/markup-compatibility/2006" xmlns:mv="urn:schemas-microsoft-com:mac:vml" xmlns:p="http://schemas.openxmlformats.org/presentationml/2006/main" mc:Ignorable="mv" mc:PreserveAttributes="mv:*">
+  <p:cSld>
+    <p:spTree>
+      <p:nvGrpSpPr>
+        <p:cNvPr id="1" name=""/>
+        <p:cNvGrpSpPr/>
+        <p:nvPr/>
+      </p:nvGrpSpPr>
+      <p:grpSpPr>
+        <a:xfrm>
+          <a:off x="0" y="0"/>
+          <a:ext cx="0" cy="0"/>
+          <a:chOff x="0" y="0"/>
+          <a:chExt cx="0" cy="0"/>
+        </a:xfrm>
+      </p:grpSpPr>
+      <p:sp>
+        <p:nvSpPr>
+          <p:cNvPr id="2" name="Title 1"/>
+          <p:cNvSpPr>
+            <a:spLocks noGrp="1"/>
+          </p:cNvSpPr>
+          <p:nvPr>
+            <p:ph type="title"/>
+          </p:nvPr>
+        </p:nvSpPr>
+        <p:spPr/>
+        <p:txBody>
+          <a:bodyPr/>
+          <a:lstStyle/>
+          <a:p>
+            <a:r>
+              <a:rPr lang="en-US" dirty="0" smtClean="0"/>
+              <a:t>CLI NGS tools </a:t>
+            </a:r>
+            <a:endParaRPr lang="en-US" dirty="0"/>
+          </a:p>
+        </p:txBody>
+      </p:sp>
+      <p:sp>
+        <p:nvSpPr>
+          <p:cNvPr id="3" name="Content Placeholder 2"/>
+          <p:cNvSpPr>
+            <a:spLocks noGrp="1"/>
+          </p:cNvSpPr>
+          <p:nvPr>
+            <p:ph idx="1"/>
+          </p:nvPr>
+        </p:nvSpPr>
+        <p:spPr/>
+        <p:txBody>
+          <a:bodyPr/>
+          <a:lstStyle/>
+          <a:p>
+            <a:endParaRPr lang="en-US"/>
+          </a:p>
+        </p:txBody>
+      </p:sp>
+    </p:spTree>
+  </p:cSld>
+  <p:clrMapOvr>
+    <a:masterClrMapping/>
+  </p:clrMapOvr>
+</p:sld>
+</file>
+
+<file path=ppt/slides/slide3.xml><?xml version="1.0" encoding="utf-8"?>
+<p:sld xmlns:a="http://schemas.openxmlformats.org/drawingml/2006/main" xmlns:r="http://schemas.openxmlformats.org/officeDocument/2006/relationships" xmlns:mc="http://schemas.openxmlformats.org/markup-compatibility/2006" xmlns:mv="urn:schemas-microsoft-com:mac:vml" xmlns:p="http://schemas.openxmlformats.org/presentationml/2006/main" mc:Ignorable="mv" mc:PreserveAttributes="mv:*">
+  <p:cSld>
+    <p:spTree>
+      <p:nvGrpSpPr>
+        <p:cNvPr id="1" name=""/>
+        <p:cNvGrpSpPr/>
+        <p:nvPr/>
+      </p:nvGrpSpPr>
+      <p:grpSpPr>
+        <a:xfrm>
+          <a:off x="0" y="0"/>
+          <a:ext cx="0" cy="0"/>
+          <a:chOff x="0" y="0"/>
+          <a:chExt cx="0" cy="0"/>
+        </a:xfrm>
+      </p:grpSpPr>
+      <p:sp>
+        <p:nvSpPr>
+          <p:cNvPr id="2" name="Title 1"/>
+          <p:cNvSpPr>
+            <a:spLocks noGrp="1"/>
+          </p:cNvSpPr>
+          <p:nvPr>
+            <p:ph type="title"/>
+          </p:nvPr>
+        </p:nvSpPr>
+        <p:spPr/>
+        <p:txBody>
+          <a:bodyPr/>
+          <a:lstStyle/>
+          <a:p>
+            <a:r>
+              <a:rPr lang="en-US" dirty="0" smtClean="0"/>
+              <a:t>Exercise: file conversions</a:t>
+            </a:r>
+            <a:endParaRPr lang="en-US" dirty="0"/>
+          </a:p>
+        </p:txBody>
+      </p:sp>
+      <p:sp>
+        <p:nvSpPr>
+          <p:cNvPr id="3" name="Content Placeholder 2"/>
+          <p:cNvSpPr>
+            <a:spLocks noGrp="1"/>
+          </p:cNvSpPr>
+          <p:nvPr>
+            <p:ph idx="1"/>
+          </p:nvPr>
+        </p:nvSpPr>
+        <p:spPr/>
+        <p:txBody>
+          <a:bodyPr/>
+          <a:lstStyle/>
+          <a:p>
+            <a:endParaRPr lang="en-US"/>
           </a:p>
         </p:txBody>
       </p:sp>

--- a/doc/slides/day1/session4/NGSAnalyses.pptx
+++ b/doc/slides/day1/session4/NGSAnalyses.pptx
@@ -5,12 +5,19 @@
     <p:sldMasterId id="2147483648" r:id="rId1"/>
   </p:sldMasterIdLst>
   <p:notesMasterIdLst>
-    <p:notesMasterId r:id="rId5"/>
+    <p:notesMasterId r:id="rId12"/>
   </p:notesMasterIdLst>
   <p:sldIdLst>
     <p:sldId id="256" r:id="rId2"/>
-    <p:sldId id="257" r:id="rId3"/>
-    <p:sldId id="258" r:id="rId4"/>
+    <p:sldId id="259" r:id="rId3"/>
+    <p:sldId id="260" r:id="rId4"/>
+    <p:sldId id="261" r:id="rId5"/>
+    <p:sldId id="266" r:id="rId6"/>
+    <p:sldId id="263" r:id="rId7"/>
+    <p:sldId id="264" r:id="rId8"/>
+    <p:sldId id="265" r:id="rId9"/>
+    <p:sldId id="262" r:id="rId10"/>
+    <p:sldId id="258" r:id="rId11"/>
   </p:sldIdLst>
   <p:sldSz cx="9144000" cy="6858000" type="screen4x3"/>
   <p:notesSz cx="6858000" cy="9144000"/>
@@ -195,7 +202,7 @@
             <a:fld id="{7F2416E4-91AF-C94B-A1BC-2728F95D87A7}" type="datetimeFigureOut">
               <a:rPr lang="en-US" smtClean="0"/>
               <a:pPr/>
-              <a:t>9/3/12</a:t>
+              <a:t>9/5/12</a:t>
             </a:fld>
             <a:endParaRPr lang="en-US"/>
           </a:p>
@@ -631,6 +638,92 @@
           <a:p>
             <a:r>
               <a:rPr lang="en-US" dirty="0" smtClean="0"/>
+              <a:t>Introduces the</a:t>
+            </a:r>
+            <a:endParaRPr lang="en-US" dirty="0"/>
+          </a:p>
+        </p:txBody>
+      </p:sp>
+      <p:sp>
+        <p:nvSpPr>
+          <p:cNvPr id="4" name="Slide Number Placeholder 3"/>
+          <p:cNvSpPr>
+            <a:spLocks noGrp="1"/>
+          </p:cNvSpPr>
+          <p:nvPr>
+            <p:ph type="sldNum" sz="quarter" idx="10"/>
+          </p:nvPr>
+        </p:nvSpPr>
+        <p:spPr/>
+        <p:txBody>
+          <a:bodyPr/>
+          <a:lstStyle/>
+          <a:p>
+            <a:fld id="{DC52FE66-5F38-224B-B84A-AC7B0050D720}" type="slidenum">
+              <a:rPr lang="en-US" smtClean="0"/>
+              <a:pPr/>
+              <a:t>9</a:t>
+            </a:fld>
+            <a:endParaRPr lang="en-US"/>
+          </a:p>
+        </p:txBody>
+      </p:sp>
+    </p:spTree>
+  </p:cSld>
+  <p:clrMapOvr>
+    <a:masterClrMapping/>
+  </p:clrMapOvr>
+</p:notes>
+</file>
+
+<file path=ppt/notesSlides/notesSlide3.xml><?xml version="1.0" encoding="utf-8"?>
+<p:notes xmlns:a="http://schemas.openxmlformats.org/drawingml/2006/main" xmlns:r="http://schemas.openxmlformats.org/officeDocument/2006/relationships" xmlns:mc="http://schemas.openxmlformats.org/markup-compatibility/2006" xmlns:mv="urn:schemas-microsoft-com:mac:vml" xmlns:p="http://schemas.openxmlformats.org/presentationml/2006/main" mc:Ignorable="mv" mc:PreserveAttributes="mv:*">
+  <p:cSld>
+    <p:spTree>
+      <p:nvGrpSpPr>
+        <p:cNvPr id="1" name=""/>
+        <p:cNvGrpSpPr/>
+        <p:nvPr/>
+      </p:nvGrpSpPr>
+      <p:grpSpPr>
+        <a:xfrm>
+          <a:off x="0" y="0"/>
+          <a:ext cx="0" cy="0"/>
+          <a:chOff x="0" y="0"/>
+          <a:chExt cx="0" cy="0"/>
+        </a:xfrm>
+      </p:grpSpPr>
+      <p:sp>
+        <p:nvSpPr>
+          <p:cNvPr id="2" name="Slide Image Placeholder 1"/>
+          <p:cNvSpPr>
+            <a:spLocks noGrp="1" noRot="1" noChangeAspect="1"/>
+          </p:cNvSpPr>
+          <p:nvPr>
+            <p:ph type="sldImg"/>
+          </p:nvPr>
+        </p:nvSpPr>
+        <p:spPr/>
+      </p:sp>
+      <p:sp>
+        <p:nvSpPr>
+          <p:cNvPr id="3" name="Notes Placeholder 2"/>
+          <p:cNvSpPr>
+            <a:spLocks noGrp="1"/>
+          </p:cNvSpPr>
+          <p:nvPr>
+            <p:ph type="body" idx="1"/>
+          </p:nvPr>
+        </p:nvSpPr>
+        <p:spPr/>
+        <p:txBody>
+          <a:bodyPr>
+            <a:normAutofit/>
+          </a:bodyPr>
+          <a:lstStyle/>
+          <a:p>
+            <a:r>
+              <a:rPr lang="en-US" dirty="0" smtClean="0"/>
               <a:t>For this exercise, we compile</a:t>
             </a:r>
             <a:r>
@@ -671,7 +764,7 @@
             <a:fld id="{581ECEAC-9ACA-174F-B852-C688BB81823B}" type="slidenum">
               <a:rPr lang="en-US" smtClean="0"/>
               <a:pPr/>
-              <a:t>3</a:t>
+              <a:t>10</a:t>
             </a:fld>
             <a:endParaRPr lang="en-US"/>
           </a:p>
@@ -867,7 +960,7 @@
             <a:fld id="{F3BCCCC7-6A45-A647-850E-B4CE4DABA2A7}" type="datetimeFigureOut">
               <a:rPr lang="en-US" smtClean="0"/>
               <a:pPr/>
-              <a:t>9/3/12</a:t>
+              <a:t>9/5/12</a:t>
             </a:fld>
             <a:endParaRPr lang="en-US"/>
           </a:p>
@@ -1034,7 +1127,7 @@
             <a:fld id="{F3BCCCC7-6A45-A647-850E-B4CE4DABA2A7}" type="datetimeFigureOut">
               <a:rPr lang="en-US" smtClean="0"/>
               <a:pPr/>
-              <a:t>9/3/12</a:t>
+              <a:t>9/5/12</a:t>
             </a:fld>
             <a:endParaRPr lang="en-US"/>
           </a:p>
@@ -1211,7 +1304,7 @@
             <a:fld id="{F3BCCCC7-6A45-A647-850E-B4CE4DABA2A7}" type="datetimeFigureOut">
               <a:rPr lang="en-US" smtClean="0"/>
               <a:pPr/>
-              <a:t>9/3/12</a:t>
+              <a:t>9/5/12</a:t>
             </a:fld>
             <a:endParaRPr lang="en-US"/>
           </a:p>
@@ -1378,7 +1471,7 @@
             <a:fld id="{F3BCCCC7-6A45-A647-850E-B4CE4DABA2A7}" type="datetimeFigureOut">
               <a:rPr lang="en-US" smtClean="0"/>
               <a:pPr/>
-              <a:t>9/3/12</a:t>
+              <a:t>9/5/12</a:t>
             </a:fld>
             <a:endParaRPr lang="en-US"/>
           </a:p>
@@ -1621,7 +1714,7 @@
             <a:fld id="{F3BCCCC7-6A45-A647-850E-B4CE4DABA2A7}" type="datetimeFigureOut">
               <a:rPr lang="en-US" smtClean="0"/>
               <a:pPr/>
-              <a:t>9/3/12</a:t>
+              <a:t>9/5/12</a:t>
             </a:fld>
             <a:endParaRPr lang="en-US"/>
           </a:p>
@@ -1906,7 +1999,7 @@
             <a:fld id="{F3BCCCC7-6A45-A647-850E-B4CE4DABA2A7}" type="datetimeFigureOut">
               <a:rPr lang="en-US" smtClean="0"/>
               <a:pPr/>
-              <a:t>9/3/12</a:t>
+              <a:t>9/5/12</a:t>
             </a:fld>
             <a:endParaRPr lang="en-US"/>
           </a:p>
@@ -2325,7 +2418,7 @@
             <a:fld id="{F3BCCCC7-6A45-A647-850E-B4CE4DABA2A7}" type="datetimeFigureOut">
               <a:rPr lang="en-US" smtClean="0"/>
               <a:pPr/>
-              <a:t>9/3/12</a:t>
+              <a:t>9/5/12</a:t>
             </a:fld>
             <a:endParaRPr lang="en-US"/>
           </a:p>
@@ -2440,7 +2533,7 @@
             <a:fld id="{F3BCCCC7-6A45-A647-850E-B4CE4DABA2A7}" type="datetimeFigureOut">
               <a:rPr lang="en-US" smtClean="0"/>
               <a:pPr/>
-              <a:t>9/3/12</a:t>
+              <a:t>9/5/12</a:t>
             </a:fld>
             <a:endParaRPr lang="en-US"/>
           </a:p>
@@ -2532,7 +2625,7 @@
             <a:fld id="{F3BCCCC7-6A45-A647-850E-B4CE4DABA2A7}" type="datetimeFigureOut">
               <a:rPr lang="en-US" smtClean="0"/>
               <a:pPr/>
-              <a:t>9/3/12</a:t>
+              <a:t>9/5/12</a:t>
             </a:fld>
             <a:endParaRPr lang="en-US"/>
           </a:p>
@@ -2806,7 +2899,7 @@
             <a:fld id="{F3BCCCC7-6A45-A647-850E-B4CE4DABA2A7}" type="datetimeFigureOut">
               <a:rPr lang="en-US" smtClean="0"/>
               <a:pPr/>
-              <a:t>9/3/12</a:t>
+              <a:t>9/5/12</a:t>
             </a:fld>
             <a:endParaRPr lang="en-US"/>
           </a:p>
@@ -3056,7 +3149,7 @@
             <a:fld id="{F3BCCCC7-6A45-A647-850E-B4CE4DABA2A7}" type="datetimeFigureOut">
               <a:rPr lang="en-US" smtClean="0"/>
               <a:pPr/>
-              <a:t>9/3/12</a:t>
+              <a:t>9/5/12</a:t>
             </a:fld>
             <a:endParaRPr lang="en-US"/>
           </a:p>
@@ -3266,7 +3359,7 @@
             <a:fld id="{F3BCCCC7-6A45-A647-850E-B4CE4DABA2A7}" type="datetimeFigureOut">
               <a:rPr lang="en-US" smtClean="0"/>
               <a:pPr/>
-              <a:t>9/3/12</a:t>
+              <a:t>9/5/12</a:t>
             </a:fld>
             <a:endParaRPr lang="en-US"/>
           </a:p>
@@ -3691,6 +3784,98 @@
 </p:sld>
 </file>
 
+<file path=ppt/slides/slide10.xml><?xml version="1.0" encoding="utf-8"?>
+<p:sld xmlns:a="http://schemas.openxmlformats.org/drawingml/2006/main" xmlns:r="http://schemas.openxmlformats.org/officeDocument/2006/relationships" xmlns:mc="http://schemas.openxmlformats.org/markup-compatibility/2006" xmlns:mv="urn:schemas-microsoft-com:mac:vml" xmlns:p="http://schemas.openxmlformats.org/presentationml/2006/main" mc:Ignorable="mv" mc:PreserveAttributes="mv:*">
+  <p:cSld>
+    <p:spTree>
+      <p:nvGrpSpPr>
+        <p:cNvPr id="1" name=""/>
+        <p:cNvGrpSpPr/>
+        <p:nvPr/>
+      </p:nvGrpSpPr>
+      <p:grpSpPr>
+        <a:xfrm>
+          <a:off x="0" y="0"/>
+          <a:ext cx="0" cy="0"/>
+          <a:chOff x="0" y="0"/>
+          <a:chExt cx="0" cy="0"/>
+        </a:xfrm>
+      </p:grpSpPr>
+      <p:sp>
+        <p:nvSpPr>
+          <p:cNvPr id="2" name="Title 1"/>
+          <p:cNvSpPr>
+            <a:spLocks noGrp="1"/>
+          </p:cNvSpPr>
+          <p:nvPr>
+            <p:ph type="title"/>
+          </p:nvPr>
+        </p:nvSpPr>
+        <p:spPr/>
+        <p:txBody>
+          <a:bodyPr/>
+          <a:lstStyle/>
+          <a:p>
+            <a:r>
+              <a:rPr lang="en-US" dirty="0" smtClean="0"/>
+              <a:t>Exercise:</a:t>
+            </a:r>
+            <a:r>
+              <a:rPr lang="en-US" dirty="0" smtClean="0"/>
+              <a:t> compilation</a:t>
+            </a:r>
+            <a:endParaRPr lang="en-US" dirty="0"/>
+          </a:p>
+        </p:txBody>
+      </p:sp>
+      <p:sp>
+        <p:nvSpPr>
+          <p:cNvPr id="3" name="Content Placeholder 2"/>
+          <p:cNvSpPr>
+            <a:spLocks noGrp="1"/>
+          </p:cNvSpPr>
+          <p:nvPr>
+            <p:ph idx="1"/>
+          </p:nvPr>
+        </p:nvSpPr>
+        <p:spPr/>
+        <p:txBody>
+          <a:bodyPr/>
+          <a:lstStyle/>
+          <a:p>
+            <a:r>
+              <a:rPr lang="en-US" dirty="0" smtClean="0"/>
+              <a:t>Compile BWA</a:t>
+            </a:r>
+          </a:p>
+          <a:p>
+            <a:r>
+              <a:rPr lang="en-US" dirty="0" smtClean="0"/>
+              <a:t>Compile </a:t>
+            </a:r>
+            <a:r>
+              <a:rPr lang="en-US" dirty="0" err="1" smtClean="0"/>
+              <a:t>Samtools</a:t>
+            </a:r>
+            <a:endParaRPr lang="en-US" dirty="0" smtClean="0"/>
+          </a:p>
+          <a:p>
+            <a:r>
+              <a:rPr lang="en-US" dirty="0" smtClean="0"/>
+              <a:t>(Compile NCBI standalone BLAST)</a:t>
+            </a:r>
+            <a:endParaRPr lang="en-US" dirty="0"/>
+          </a:p>
+        </p:txBody>
+      </p:sp>
+    </p:spTree>
+  </p:cSld>
+  <p:clrMapOvr>
+    <a:masterClrMapping/>
+  </p:clrMapOvr>
+</p:sld>
+</file>
+
 <file path=ppt/slides/slide2.xml><?xml version="1.0" encoding="utf-8"?>
 <p:sld xmlns:a="http://schemas.openxmlformats.org/drawingml/2006/main" xmlns:r="http://schemas.openxmlformats.org/officeDocument/2006/relationships" xmlns:mc="http://schemas.openxmlformats.org/markup-compatibility/2006" xmlns:mv="urn:schemas-microsoft-com:mac:vml" xmlns:p="http://schemas.openxmlformats.org/presentationml/2006/main" mc:Ignorable="mv" mc:PreserveAttributes="mv:*">
   <p:cSld>
@@ -3725,7 +3910,7 @@
           <a:p>
             <a:r>
               <a:rPr lang="en-US" dirty="0" smtClean="0"/>
-              <a:t>CLI NGS tools </a:t>
+              <a:t>NGS analyses</a:t>
             </a:r>
             <a:endParaRPr lang="en-US" dirty="0"/>
           </a:p>
@@ -3743,10 +3928,81 @@
         </p:nvSpPr>
         <p:spPr/>
         <p:txBody>
-          <a:bodyPr/>
-          <a:lstStyle/>
-          <a:p>
-            <a:endParaRPr lang="en-US"/>
+          <a:bodyPr>
+            <a:normAutofit lnSpcReduction="10000"/>
+          </a:bodyPr>
+          <a:lstStyle/>
+          <a:p>
+            <a:r>
+              <a:rPr lang="en-US" dirty="0" smtClean="0"/>
+              <a:t>Data pre-processing: </a:t>
+            </a:r>
+          </a:p>
+          <a:p>
+            <a:pPr lvl="1"/>
+            <a:r>
+              <a:rPr lang="en-US" dirty="0" smtClean="0"/>
+              <a:t>Characterize / trim low base scores</a:t>
+            </a:r>
+          </a:p>
+          <a:p>
+            <a:pPr lvl="1"/>
+            <a:r>
+              <a:rPr lang="en-US" dirty="0" smtClean="0"/>
+              <a:t>Clip adapters</a:t>
+            </a:r>
+          </a:p>
+          <a:p>
+            <a:pPr lvl="1"/>
+            <a:r>
+              <a:rPr lang="en-US" dirty="0" smtClean="0"/>
+              <a:t>C</a:t>
+            </a:r>
+            <a:r>
+              <a:rPr lang="en-US" dirty="0" smtClean="0"/>
+              <a:t>ollapse duplicates</a:t>
+            </a:r>
+          </a:p>
+          <a:p>
+            <a:pPr lvl="1"/>
+            <a:r>
+              <a:rPr lang="en-US" dirty="0" smtClean="0"/>
+              <a:t>File conversion</a:t>
+            </a:r>
+          </a:p>
+          <a:p>
+            <a:r>
+              <a:rPr lang="en-US" dirty="0" smtClean="0"/>
+              <a:t>Assembly:</a:t>
+            </a:r>
+          </a:p>
+          <a:p>
+            <a:pPr lvl="1"/>
+            <a:r>
+              <a:rPr lang="en-US" dirty="0" smtClean="0"/>
+              <a:t>de Novo</a:t>
+            </a:r>
+          </a:p>
+          <a:p>
+            <a:pPr lvl="1"/>
+            <a:r>
+              <a:rPr lang="en-US" dirty="0" smtClean="0"/>
+              <a:t>To reference </a:t>
+            </a:r>
+            <a:r>
+              <a:rPr lang="en-US" dirty="0" err="1" smtClean="0"/>
+              <a:t>sequence(s</a:t>
+            </a:r>
+            <a:r>
+              <a:rPr lang="en-US" dirty="0" smtClean="0"/>
+              <a:t>)</a:t>
+            </a:r>
+          </a:p>
+          <a:p>
+            <a:r>
+              <a:rPr lang="en-US" dirty="0" smtClean="0"/>
+              <a:t>…more bioinformatics…</a:t>
+            </a:r>
           </a:p>
         </p:txBody>
       </p:sp>
@@ -3792,7 +4048,7 @@
           <a:p>
             <a:r>
               <a:rPr lang="en-US" dirty="0" smtClean="0"/>
-              <a:t>Exercise: file conversions</a:t>
+              <a:t>Data pre-processing</a:t>
             </a:r>
             <a:endParaRPr lang="en-US" dirty="0"/>
           </a:p>
@@ -3813,7 +4069,41 @@
           <a:bodyPr/>
           <a:lstStyle/>
           <a:p>
-            <a:endParaRPr lang="en-US"/>
+            <a:r>
+              <a:rPr lang="en-US" dirty="0" smtClean="0"/>
+              <a:t>Many data cleaning steps can be</a:t>
+            </a:r>
+            <a:r>
+              <a:rPr lang="en-US" dirty="0" smtClean="0"/>
+              <a:t> programmed with common open source bioinformatics toolkits</a:t>
+            </a:r>
+          </a:p>
+          <a:p>
+            <a:r>
+              <a:rPr lang="en-US" dirty="0" smtClean="0"/>
+              <a:t>Some off-the-shelf tools exist</a:t>
+            </a:r>
+          </a:p>
+          <a:p>
+            <a:pPr lvl="1"/>
+            <a:r>
+              <a:rPr lang="en-US" dirty="0" smtClean="0"/>
+              <a:t>FASTX-toolkit (also in galaxy)</a:t>
+            </a:r>
+          </a:p>
+          <a:p>
+            <a:pPr lvl="1"/>
+            <a:r>
+              <a:rPr lang="en-US" dirty="0" smtClean="0"/>
+              <a:t>FASTQC</a:t>
+            </a:r>
+          </a:p>
+          <a:p>
+            <a:pPr lvl="1"/>
+            <a:r>
+              <a:rPr lang="en-US" dirty="0" smtClean="0"/>
+              <a:t>PRINSEQ</a:t>
+            </a:r>
           </a:p>
         </p:txBody>
       </p:sp>
@@ -3822,6 +4112,562 @@
   <p:clrMapOvr>
     <a:masterClrMapping/>
   </p:clrMapOvr>
+</p:sld>
+</file>
+
+<file path=ppt/slides/slide4.xml><?xml version="1.0" encoding="utf-8"?>
+<p:sld xmlns:a="http://schemas.openxmlformats.org/drawingml/2006/main" xmlns:r="http://schemas.openxmlformats.org/officeDocument/2006/relationships" xmlns:mc="http://schemas.openxmlformats.org/markup-compatibility/2006" xmlns:mv="urn:schemas-microsoft-com:mac:vml" xmlns:p="http://schemas.openxmlformats.org/presentationml/2006/main" mc:Ignorable="mv" mc:PreserveAttributes="mv:*">
+  <p:cSld>
+    <p:spTree>
+      <p:nvGrpSpPr>
+        <p:cNvPr id="1" name=""/>
+        <p:cNvGrpSpPr/>
+        <p:nvPr/>
+      </p:nvGrpSpPr>
+      <p:grpSpPr>
+        <a:xfrm>
+          <a:off x="0" y="0"/>
+          <a:ext cx="0" cy="0"/>
+          <a:chOff x="0" y="0"/>
+          <a:chExt cx="0" cy="0"/>
+        </a:xfrm>
+      </p:grpSpPr>
+      <p:sp>
+        <p:nvSpPr>
+          <p:cNvPr id="2" name="Title 1"/>
+          <p:cNvSpPr>
+            <a:spLocks noGrp="1"/>
+          </p:cNvSpPr>
+          <p:nvPr>
+            <p:ph type="title"/>
+          </p:nvPr>
+        </p:nvSpPr>
+        <p:spPr/>
+        <p:txBody>
+          <a:bodyPr/>
+          <a:lstStyle/>
+          <a:p>
+            <a:r>
+              <a:rPr lang="en-US" dirty="0" smtClean="0"/>
+              <a:t>Assembly</a:t>
+            </a:r>
+            <a:endParaRPr lang="en-US" dirty="0"/>
+          </a:p>
+        </p:txBody>
+      </p:sp>
+      <p:sp>
+        <p:nvSpPr>
+          <p:cNvPr id="3" name="Content Placeholder 2"/>
+          <p:cNvSpPr>
+            <a:spLocks noGrp="1"/>
+          </p:cNvSpPr>
+          <p:nvPr>
+            <p:ph idx="1"/>
+          </p:nvPr>
+        </p:nvSpPr>
+        <p:spPr/>
+        <p:txBody>
+          <a:bodyPr>
+            <a:normAutofit lnSpcReduction="10000"/>
+          </a:bodyPr>
+          <a:lstStyle/>
+          <a:p>
+            <a:r>
+              <a:rPr lang="en-US" dirty="0" smtClean="0"/>
+              <a:t>De-novo assembly tools:</a:t>
+            </a:r>
+          </a:p>
+          <a:p>
+            <a:pPr lvl="1"/>
+            <a:r>
+              <a:rPr lang="en-US" dirty="0" smtClean="0"/>
+              <a:t>SOAP de-novo</a:t>
+            </a:r>
+          </a:p>
+          <a:p>
+            <a:pPr lvl="1"/>
+            <a:r>
+              <a:rPr lang="en-US" dirty="0" smtClean="0"/>
+              <a:t>Velvet</a:t>
+            </a:r>
+          </a:p>
+          <a:p>
+            <a:r>
+              <a:rPr lang="en-US" dirty="0" smtClean="0"/>
+              <a:t>Reference mapping:</a:t>
+            </a:r>
+          </a:p>
+          <a:p>
+            <a:pPr lvl="1"/>
+            <a:r>
+              <a:rPr lang="en-US" dirty="0" smtClean="0"/>
+              <a:t>BWA</a:t>
+            </a:r>
+          </a:p>
+          <a:p>
+            <a:pPr lvl="1"/>
+            <a:r>
+              <a:rPr lang="en-US" dirty="0" smtClean="0"/>
+              <a:t>MAQ</a:t>
+            </a:r>
+          </a:p>
+          <a:p>
+            <a:pPr lvl="1"/>
+            <a:r>
+              <a:rPr lang="en-US" dirty="0" smtClean="0"/>
+              <a:t>Bowtie</a:t>
+            </a:r>
+          </a:p>
+          <a:p>
+            <a:pPr lvl="1"/>
+            <a:r>
+              <a:rPr lang="en-US" dirty="0" smtClean="0"/>
+              <a:t>BFAST</a:t>
+            </a:r>
+          </a:p>
+          <a:p>
+            <a:pPr lvl="1"/>
+            <a:r>
+              <a:rPr lang="en-US" dirty="0" smtClean="0"/>
+              <a:t>MIRA</a:t>
+            </a:r>
+          </a:p>
+          <a:p>
+            <a:endParaRPr lang="en-US" dirty="0"/>
+          </a:p>
+        </p:txBody>
+      </p:sp>
+    </p:spTree>
+  </p:cSld>
+  <p:clrMapOvr>
+    <a:masterClrMapping/>
+  </p:clrMapOvr>
+</p:sld>
+</file>
+
+<file path=ppt/slides/slide5.xml><?xml version="1.0" encoding="utf-8"?>
+<p:sld xmlns:a="http://schemas.openxmlformats.org/drawingml/2006/main" xmlns:r="http://schemas.openxmlformats.org/officeDocument/2006/relationships" xmlns:mc="http://schemas.openxmlformats.org/markup-compatibility/2006" xmlns:mv="urn:schemas-microsoft-com:mac:vml" xmlns:p="http://schemas.openxmlformats.org/presentationml/2006/main" mc:Ignorable="mv" mc:PreserveAttributes="mv:*">
+  <p:cSld>
+    <p:spTree>
+      <p:nvGrpSpPr>
+        <p:cNvPr id="1" name=""/>
+        <p:cNvGrpSpPr/>
+        <p:nvPr/>
+      </p:nvGrpSpPr>
+      <p:grpSpPr>
+        <a:xfrm>
+          <a:off x="0" y="0"/>
+          <a:ext cx="0" cy="0"/>
+          <a:chOff x="0" y="0"/>
+          <a:chExt cx="0" cy="0"/>
+        </a:xfrm>
+      </p:grpSpPr>
+      <p:sp>
+        <p:nvSpPr>
+          <p:cNvPr id="2" name="Title 1"/>
+          <p:cNvSpPr>
+            <a:spLocks noGrp="1"/>
+          </p:cNvSpPr>
+          <p:nvPr>
+            <p:ph type="title"/>
+          </p:nvPr>
+        </p:nvSpPr>
+        <p:spPr/>
+        <p:txBody>
+          <a:bodyPr/>
+          <a:lstStyle/>
+          <a:p>
+            <a:r>
+              <a:rPr lang="en-US" dirty="0" smtClean="0"/>
+              <a:t>Data conversion</a:t>
+            </a:r>
+            <a:endParaRPr lang="en-US" dirty="0"/>
+          </a:p>
+        </p:txBody>
+      </p:sp>
+      <p:sp>
+        <p:nvSpPr>
+          <p:cNvPr id="3" name="Content Placeholder 2"/>
+          <p:cNvSpPr>
+            <a:spLocks noGrp="1"/>
+          </p:cNvSpPr>
+          <p:nvPr>
+            <p:ph idx="1"/>
+          </p:nvPr>
+        </p:nvSpPr>
+        <p:spPr/>
+        <p:txBody>
+          <a:bodyPr/>
+          <a:lstStyle/>
+          <a:p>
+            <a:r>
+              <a:rPr lang="en-US" dirty="0" smtClean="0"/>
+              <a:t>Command line programs</a:t>
+            </a:r>
+          </a:p>
+          <a:p>
+            <a:pPr lvl="1"/>
+            <a:r>
+              <a:rPr lang="en-US" dirty="0" err="1" smtClean="0"/>
+              <a:t>samtools</a:t>
+            </a:r>
+            <a:endParaRPr lang="en-US" dirty="0" smtClean="0"/>
+          </a:p>
+          <a:p>
+            <a:pPr lvl="1"/>
+            <a:r>
+              <a:rPr lang="en-US" dirty="0" err="1" smtClean="0"/>
+              <a:t>picard</a:t>
+            </a:r>
+            <a:endParaRPr lang="en-US" dirty="0"/>
+          </a:p>
+        </p:txBody>
+      </p:sp>
+    </p:spTree>
+  </p:cSld>
+  <p:clrMapOvr>
+    <a:masterClrMapping/>
+  </p:clrMapOvr>
+</p:sld>
+</file>
+
+<file path=ppt/slides/slide6.xml><?xml version="1.0" encoding="utf-8"?>
+<p:sld xmlns:a="http://schemas.openxmlformats.org/drawingml/2006/main" xmlns:r="http://schemas.openxmlformats.org/officeDocument/2006/relationships" xmlns:mc="http://schemas.openxmlformats.org/markup-compatibility/2006" xmlns:mv="urn:schemas-microsoft-com:mac:vml" xmlns:p="http://schemas.openxmlformats.org/presentationml/2006/main" mc:Ignorable="mv" mc:PreserveAttributes="mv:*">
+  <p:cSld>
+    <p:spTree>
+      <p:nvGrpSpPr>
+        <p:cNvPr id="1" name=""/>
+        <p:cNvGrpSpPr/>
+        <p:nvPr/>
+      </p:nvGrpSpPr>
+      <p:grpSpPr>
+        <a:xfrm>
+          <a:off x="0" y="0"/>
+          <a:ext cx="0" cy="0"/>
+          <a:chOff x="0" y="0"/>
+          <a:chExt cx="0" cy="0"/>
+        </a:xfrm>
+      </p:grpSpPr>
+      <p:sp>
+        <p:nvSpPr>
+          <p:cNvPr id="2" name="Title 1"/>
+          <p:cNvSpPr>
+            <a:spLocks noGrp="1"/>
+          </p:cNvSpPr>
+          <p:nvPr>
+            <p:ph type="title"/>
+          </p:nvPr>
+        </p:nvSpPr>
+        <p:spPr/>
+        <p:txBody>
+          <a:bodyPr/>
+          <a:lstStyle/>
+          <a:p>
+            <a:r>
+              <a:rPr lang="en-US" dirty="0" smtClean="0"/>
+              <a:t>Integrated suites</a:t>
+            </a:r>
+            <a:endParaRPr lang="en-US" dirty="0"/>
+          </a:p>
+        </p:txBody>
+      </p:sp>
+      <p:sp>
+        <p:nvSpPr>
+          <p:cNvPr id="3" name="Content Placeholder 2"/>
+          <p:cNvSpPr>
+            <a:spLocks noGrp="1"/>
+          </p:cNvSpPr>
+          <p:nvPr>
+            <p:ph idx="1"/>
+          </p:nvPr>
+        </p:nvSpPr>
+        <p:spPr/>
+        <p:txBody>
+          <a:bodyPr/>
+          <a:lstStyle/>
+          <a:p>
+            <a:r>
+              <a:rPr lang="en-US" dirty="0" smtClean="0"/>
+              <a:t>CLC</a:t>
+            </a:r>
+          </a:p>
+          <a:p>
+            <a:r>
+              <a:rPr lang="en-US" dirty="0" err="1" smtClean="0"/>
+              <a:t>Geneious</a:t>
+            </a:r>
+            <a:endParaRPr lang="en-US" dirty="0" smtClean="0"/>
+          </a:p>
+          <a:p>
+            <a:r>
+              <a:rPr lang="en-US" dirty="0" err="1" smtClean="0"/>
+              <a:t>Qiime</a:t>
+            </a:r>
+            <a:endParaRPr lang="en-US" dirty="0" smtClean="0"/>
+          </a:p>
+          <a:p>
+            <a:r>
+              <a:rPr lang="en-US" dirty="0" smtClean="0"/>
+              <a:t>GATK</a:t>
+            </a:r>
+          </a:p>
+          <a:p>
+            <a:endParaRPr lang="en-US" dirty="0"/>
+          </a:p>
+        </p:txBody>
+      </p:sp>
+    </p:spTree>
+  </p:cSld>
+  <p:clrMapOvr>
+    <a:masterClrMapping/>
+  </p:clrMapOvr>
+  <p:timing>
+    <p:tnLst>
+      <p:par>
+        <p:cTn id="1" dur="indefinite" restart="never" nodeType="tmRoot"/>
+      </p:par>
+    </p:tnLst>
+  </p:timing>
+</p:sld>
+</file>
+
+<file path=ppt/slides/slide7.xml><?xml version="1.0" encoding="utf-8"?>
+<p:sld xmlns:a="http://schemas.openxmlformats.org/drawingml/2006/main" xmlns:r="http://schemas.openxmlformats.org/officeDocument/2006/relationships" xmlns:mc="http://schemas.openxmlformats.org/markup-compatibility/2006" xmlns:mv="urn:schemas-microsoft-com:mac:vml" xmlns:p="http://schemas.openxmlformats.org/presentationml/2006/main" mc:Ignorable="mv" mc:PreserveAttributes="mv:*">
+  <p:cSld>
+    <p:spTree>
+      <p:nvGrpSpPr>
+        <p:cNvPr id="1" name=""/>
+        <p:cNvGrpSpPr/>
+        <p:nvPr/>
+      </p:nvGrpSpPr>
+      <p:grpSpPr>
+        <a:xfrm>
+          <a:off x="0" y="0"/>
+          <a:ext cx="0" cy="0"/>
+          <a:chOff x="0" y="0"/>
+          <a:chExt cx="0" cy="0"/>
+        </a:xfrm>
+      </p:grpSpPr>
+      <p:sp>
+        <p:nvSpPr>
+          <p:cNvPr id="2" name="Title 1"/>
+          <p:cNvSpPr>
+            <a:spLocks noGrp="1"/>
+          </p:cNvSpPr>
+          <p:nvPr>
+            <p:ph type="title"/>
+          </p:nvPr>
+        </p:nvSpPr>
+        <p:spPr/>
+        <p:txBody>
+          <a:bodyPr/>
+          <a:lstStyle/>
+          <a:p>
+            <a:r>
+              <a:rPr lang="en-US" dirty="0" smtClean="0"/>
+              <a:t>Open source and commercial</a:t>
+            </a:r>
+            <a:endParaRPr lang="en-US" dirty="0"/>
+          </a:p>
+        </p:txBody>
+      </p:sp>
+      <p:sp>
+        <p:nvSpPr>
+          <p:cNvPr id="3" name="Content Placeholder 2"/>
+          <p:cNvSpPr>
+            <a:spLocks noGrp="1"/>
+          </p:cNvSpPr>
+          <p:nvPr>
+            <p:ph idx="1"/>
+          </p:nvPr>
+        </p:nvSpPr>
+        <p:spPr/>
+        <p:txBody>
+          <a:bodyPr/>
+          <a:lstStyle/>
+          <a:p>
+            <a:endParaRPr lang="en-US"/>
+          </a:p>
+        </p:txBody>
+      </p:sp>
+    </p:spTree>
+  </p:cSld>
+  <p:clrMapOvr>
+    <a:masterClrMapping/>
+  </p:clrMapOvr>
+  <p:timing>
+    <p:tnLst>
+      <p:par>
+        <p:cTn id="1" dur="indefinite" restart="never" nodeType="tmRoot"/>
+      </p:par>
+    </p:tnLst>
+  </p:timing>
+</p:sld>
+</file>
+
+<file path=ppt/slides/slide8.xml><?xml version="1.0" encoding="utf-8"?>
+<p:sld xmlns:a="http://schemas.openxmlformats.org/drawingml/2006/main" xmlns:r="http://schemas.openxmlformats.org/officeDocument/2006/relationships" xmlns:mc="http://schemas.openxmlformats.org/markup-compatibility/2006" xmlns:mv="urn:schemas-microsoft-com:mac:vml" xmlns:p="http://schemas.openxmlformats.org/presentationml/2006/main" mc:Ignorable="mv" mc:PreserveAttributes="mv:*">
+  <p:cSld>
+    <p:spTree>
+      <p:nvGrpSpPr>
+        <p:cNvPr id="1" name=""/>
+        <p:cNvGrpSpPr/>
+        <p:nvPr/>
+      </p:nvGrpSpPr>
+      <p:grpSpPr>
+        <a:xfrm>
+          <a:off x="0" y="0"/>
+          <a:ext cx="0" cy="0"/>
+          <a:chOff x="0" y="0"/>
+          <a:chExt cx="0" cy="0"/>
+        </a:xfrm>
+      </p:grpSpPr>
+      <p:sp>
+        <p:nvSpPr>
+          <p:cNvPr id="2" name="Title 1"/>
+          <p:cNvSpPr>
+            <a:spLocks noGrp="1"/>
+          </p:cNvSpPr>
+          <p:nvPr>
+            <p:ph type="title"/>
+          </p:nvPr>
+        </p:nvSpPr>
+        <p:spPr/>
+        <p:txBody>
+          <a:bodyPr/>
+          <a:lstStyle/>
+          <a:p>
+            <a:r>
+              <a:rPr lang="en-US" dirty="0" smtClean="0"/>
+              <a:t>Graphical and command-line</a:t>
+            </a:r>
+            <a:endParaRPr lang="en-US" dirty="0"/>
+          </a:p>
+        </p:txBody>
+      </p:sp>
+      <p:sp>
+        <p:nvSpPr>
+          <p:cNvPr id="3" name="Content Placeholder 2"/>
+          <p:cNvSpPr>
+            <a:spLocks noGrp="1"/>
+          </p:cNvSpPr>
+          <p:nvPr>
+            <p:ph idx="1"/>
+          </p:nvPr>
+        </p:nvSpPr>
+        <p:spPr/>
+        <p:txBody>
+          <a:bodyPr/>
+          <a:lstStyle/>
+          <a:p>
+            <a:endParaRPr lang="en-US"/>
+          </a:p>
+        </p:txBody>
+      </p:sp>
+    </p:spTree>
+  </p:cSld>
+  <p:clrMapOvr>
+    <a:masterClrMapping/>
+  </p:clrMapOvr>
+  <p:timing>
+    <p:tnLst>
+      <p:par>
+        <p:cTn id="1" dur="indefinite" restart="never" nodeType="tmRoot"/>
+      </p:par>
+    </p:tnLst>
+  </p:timing>
+</p:sld>
+</file>
+
+<file path=ppt/slides/slide9.xml><?xml version="1.0" encoding="utf-8"?>
+<p:sld xmlns:a="http://schemas.openxmlformats.org/drawingml/2006/main" xmlns:r="http://schemas.openxmlformats.org/officeDocument/2006/relationships" xmlns:mc="http://schemas.openxmlformats.org/markup-compatibility/2006" xmlns:mv="urn:schemas-microsoft-com:mac:vml" xmlns:p="http://schemas.openxmlformats.org/presentationml/2006/main" mc:Ignorable="mv" mc:PreserveAttributes="mv:*">
+  <p:cSld>
+    <p:spTree>
+      <p:nvGrpSpPr>
+        <p:cNvPr id="1" name=""/>
+        <p:cNvGrpSpPr/>
+        <p:nvPr/>
+      </p:nvGrpSpPr>
+      <p:grpSpPr>
+        <a:xfrm>
+          <a:off x="0" y="0"/>
+          <a:ext cx="0" cy="0"/>
+          <a:chOff x="0" y="0"/>
+          <a:chExt cx="0" cy="0"/>
+        </a:xfrm>
+      </p:grpSpPr>
+      <p:sp>
+        <p:nvSpPr>
+          <p:cNvPr id="2" name="Title 1"/>
+          <p:cNvSpPr>
+            <a:spLocks noGrp="1"/>
+          </p:cNvSpPr>
+          <p:nvPr>
+            <p:ph type="title"/>
+          </p:nvPr>
+        </p:nvSpPr>
+        <p:spPr/>
+        <p:txBody>
+          <a:bodyPr/>
+          <a:lstStyle/>
+          <a:p>
+            <a:r>
+              <a:rPr lang="en-US" dirty="0" smtClean="0"/>
+              <a:t>Periodic table of bioinformatics</a:t>
+            </a:r>
+            <a:endParaRPr lang="en-US" dirty="0"/>
+          </a:p>
+        </p:txBody>
+      </p:sp>
+      <p:pic>
+        <p:nvPicPr>
+          <p:cNvPr id="4" name="Content Placeholder 3" descr="elements-72dpi.pdf"/>
+          <p:cNvPicPr>
+            <a:picLocks noGrp="1" noChangeAspect="1"/>
+          </p:cNvPicPr>
+          <p:nvPr>
+            <p:ph idx="1"/>
+          </p:nvPr>
+        </p:nvPicPr>
+        <mc:AlternateContent>
+          <mc:Choice xmlns:ma="http://schemas.microsoft.com/office/mac/drawingml/2008/main" Requires="ma">
+            <p:blipFill>
+              <a:blip r:embed="rId3"/>
+              <a:srcRect l="2525" t="23206"/>
+              <a:stretch>
+                <a:fillRect/>
+              </a:stretch>
+            </p:blipFill>
+          </mc:Choice>
+          <mc:Fallback>
+            <p:blipFill>
+              <a:blip r:embed="rId4"/>
+              <a:srcRect l="2525" t="23206"/>
+              <a:stretch>
+                <a:fillRect/>
+              </a:stretch>
+            </p:blipFill>
+          </mc:Fallback>
+        </mc:AlternateContent>
+        <p:spPr>
+          <a:xfrm>
+            <a:off x="76200" y="1371600"/>
+            <a:ext cx="8944174" cy="4983162"/>
+          </a:xfrm>
+        </p:spPr>
+      </p:pic>
+    </p:spTree>
+  </p:cSld>
+  <p:clrMapOvr>
+    <a:masterClrMapping/>
+  </p:clrMapOvr>
+  <p:timing>
+    <p:tnLst>
+      <p:par>
+        <p:cTn id="1" dur="indefinite" restart="never" nodeType="tmRoot"/>
+      </p:par>
+    </p:tnLst>
+  </p:timing>
 </p:sld>
 </file>
 

--- a/doc/slides/day1/session4/NGSAnalyses.pptx
+++ b/doc/slides/day1/session4/NGSAnalyses.pptx
@@ -5,19 +5,17 @@
     <p:sldMasterId id="2147483648" r:id="rId1"/>
   </p:sldMasterIdLst>
   <p:notesMasterIdLst>
-    <p:notesMasterId r:id="rId12"/>
+    <p:notesMasterId r:id="rId10"/>
   </p:notesMasterIdLst>
   <p:sldIdLst>
     <p:sldId id="256" r:id="rId2"/>
     <p:sldId id="259" r:id="rId3"/>
     <p:sldId id="260" r:id="rId4"/>
-    <p:sldId id="261" r:id="rId5"/>
-    <p:sldId id="266" r:id="rId6"/>
+    <p:sldId id="266" r:id="rId5"/>
+    <p:sldId id="261" r:id="rId6"/>
     <p:sldId id="263" r:id="rId7"/>
-    <p:sldId id="264" r:id="rId8"/>
-    <p:sldId id="265" r:id="rId9"/>
-    <p:sldId id="262" r:id="rId10"/>
-    <p:sldId id="258" r:id="rId11"/>
+    <p:sldId id="262" r:id="rId8"/>
+    <p:sldId id="258" r:id="rId9"/>
   </p:sldIdLst>
   <p:sldSz cx="9144000" cy="6858000" type="screen4x3"/>
   <p:notesSz cx="6858000" cy="9144000"/>
@@ -202,7 +200,7 @@
             <a:fld id="{7F2416E4-91AF-C94B-A1BC-2728F95D87A7}" type="datetimeFigureOut">
               <a:rPr lang="en-US" smtClean="0"/>
               <a:pPr/>
-              <a:t>9/5/12</a:t>
+              <a:t>9/10/12</a:t>
             </a:fld>
             <a:endParaRPr lang="en-US"/>
           </a:p>
@@ -662,7 +660,7 @@
             <a:fld id="{DC52FE66-5F38-224B-B84A-AC7B0050D720}" type="slidenum">
               <a:rPr lang="en-US" smtClean="0"/>
               <a:pPr/>
-              <a:t>9</a:t>
+              <a:t>7</a:t>
             </a:fld>
             <a:endParaRPr lang="en-US"/>
           </a:p>
@@ -764,7 +762,7 @@
             <a:fld id="{581ECEAC-9ACA-174F-B852-C688BB81823B}" type="slidenum">
               <a:rPr lang="en-US" smtClean="0"/>
               <a:pPr/>
-              <a:t>10</a:t>
+              <a:t>8</a:t>
             </a:fld>
             <a:endParaRPr lang="en-US"/>
           </a:p>
@@ -960,7 +958,7 @@
             <a:fld id="{F3BCCCC7-6A45-A647-850E-B4CE4DABA2A7}" type="datetimeFigureOut">
               <a:rPr lang="en-US" smtClean="0"/>
               <a:pPr/>
-              <a:t>9/5/12</a:t>
+              <a:t>9/10/12</a:t>
             </a:fld>
             <a:endParaRPr lang="en-US"/>
           </a:p>
@@ -1127,7 +1125,7 @@
             <a:fld id="{F3BCCCC7-6A45-A647-850E-B4CE4DABA2A7}" type="datetimeFigureOut">
               <a:rPr lang="en-US" smtClean="0"/>
               <a:pPr/>
-              <a:t>9/5/12</a:t>
+              <a:t>9/10/12</a:t>
             </a:fld>
             <a:endParaRPr lang="en-US"/>
           </a:p>
@@ -1304,7 +1302,7 @@
             <a:fld id="{F3BCCCC7-6A45-A647-850E-B4CE4DABA2A7}" type="datetimeFigureOut">
               <a:rPr lang="en-US" smtClean="0"/>
               <a:pPr/>
-              <a:t>9/5/12</a:t>
+              <a:t>9/10/12</a:t>
             </a:fld>
             <a:endParaRPr lang="en-US"/>
           </a:p>
@@ -1471,7 +1469,7 @@
             <a:fld id="{F3BCCCC7-6A45-A647-850E-B4CE4DABA2A7}" type="datetimeFigureOut">
               <a:rPr lang="en-US" smtClean="0"/>
               <a:pPr/>
-              <a:t>9/5/12</a:t>
+              <a:t>9/10/12</a:t>
             </a:fld>
             <a:endParaRPr lang="en-US"/>
           </a:p>
@@ -1714,7 +1712,7 @@
             <a:fld id="{F3BCCCC7-6A45-A647-850E-B4CE4DABA2A7}" type="datetimeFigureOut">
               <a:rPr lang="en-US" smtClean="0"/>
               <a:pPr/>
-              <a:t>9/5/12</a:t>
+              <a:t>9/10/12</a:t>
             </a:fld>
             <a:endParaRPr lang="en-US"/>
           </a:p>
@@ -1999,7 +1997,7 @@
             <a:fld id="{F3BCCCC7-6A45-A647-850E-B4CE4DABA2A7}" type="datetimeFigureOut">
               <a:rPr lang="en-US" smtClean="0"/>
               <a:pPr/>
-              <a:t>9/5/12</a:t>
+              <a:t>9/10/12</a:t>
             </a:fld>
             <a:endParaRPr lang="en-US"/>
           </a:p>
@@ -2418,7 +2416,7 @@
             <a:fld id="{F3BCCCC7-6A45-A647-850E-B4CE4DABA2A7}" type="datetimeFigureOut">
               <a:rPr lang="en-US" smtClean="0"/>
               <a:pPr/>
-              <a:t>9/5/12</a:t>
+              <a:t>9/10/12</a:t>
             </a:fld>
             <a:endParaRPr lang="en-US"/>
           </a:p>
@@ -2533,7 +2531,7 @@
             <a:fld id="{F3BCCCC7-6A45-A647-850E-B4CE4DABA2A7}" type="datetimeFigureOut">
               <a:rPr lang="en-US" smtClean="0"/>
               <a:pPr/>
-              <a:t>9/5/12</a:t>
+              <a:t>9/10/12</a:t>
             </a:fld>
             <a:endParaRPr lang="en-US"/>
           </a:p>
@@ -2625,7 +2623,7 @@
             <a:fld id="{F3BCCCC7-6A45-A647-850E-B4CE4DABA2A7}" type="datetimeFigureOut">
               <a:rPr lang="en-US" smtClean="0"/>
               <a:pPr/>
-              <a:t>9/5/12</a:t>
+              <a:t>9/10/12</a:t>
             </a:fld>
             <a:endParaRPr lang="en-US"/>
           </a:p>
@@ -2899,7 +2897,7 @@
             <a:fld id="{F3BCCCC7-6A45-A647-850E-B4CE4DABA2A7}" type="datetimeFigureOut">
               <a:rPr lang="en-US" smtClean="0"/>
               <a:pPr/>
-              <a:t>9/5/12</a:t>
+              <a:t>9/10/12</a:t>
             </a:fld>
             <a:endParaRPr lang="en-US"/>
           </a:p>
@@ -3149,7 +3147,7 @@
             <a:fld id="{F3BCCCC7-6A45-A647-850E-B4CE4DABA2A7}" type="datetimeFigureOut">
               <a:rPr lang="en-US" smtClean="0"/>
               <a:pPr/>
-              <a:t>9/5/12</a:t>
+              <a:t>9/10/12</a:t>
             </a:fld>
             <a:endParaRPr lang="en-US"/>
           </a:p>
@@ -3359,7 +3357,7 @@
             <a:fld id="{F3BCCCC7-6A45-A647-850E-B4CE4DABA2A7}" type="datetimeFigureOut">
               <a:rPr lang="en-US" smtClean="0"/>
               <a:pPr/>
-              <a:t>9/5/12</a:t>
+              <a:t>9/10/12</a:t>
             </a:fld>
             <a:endParaRPr lang="en-US"/>
           </a:p>
@@ -3781,98 +3779,13 @@
   <p:clrMapOvr>
     <a:masterClrMapping/>
   </p:clrMapOvr>
-</p:sld>
-</file>
-
-<file path=ppt/slides/slide10.xml><?xml version="1.0" encoding="utf-8"?>
-<p:sld xmlns:a="http://schemas.openxmlformats.org/drawingml/2006/main" xmlns:r="http://schemas.openxmlformats.org/officeDocument/2006/relationships" xmlns:mc="http://schemas.openxmlformats.org/markup-compatibility/2006" xmlns:mv="urn:schemas-microsoft-com:mac:vml" xmlns:p="http://schemas.openxmlformats.org/presentationml/2006/main" mc:Ignorable="mv" mc:PreserveAttributes="mv:*">
-  <p:cSld>
-    <p:spTree>
-      <p:nvGrpSpPr>
-        <p:cNvPr id="1" name=""/>
-        <p:cNvGrpSpPr/>
-        <p:nvPr/>
-      </p:nvGrpSpPr>
-      <p:grpSpPr>
-        <a:xfrm>
-          <a:off x="0" y="0"/>
-          <a:ext cx="0" cy="0"/>
-          <a:chOff x="0" y="0"/>
-          <a:chExt cx="0" cy="0"/>
-        </a:xfrm>
-      </p:grpSpPr>
-      <p:sp>
-        <p:nvSpPr>
-          <p:cNvPr id="2" name="Title 1"/>
-          <p:cNvSpPr>
-            <a:spLocks noGrp="1"/>
-          </p:cNvSpPr>
-          <p:nvPr>
-            <p:ph type="title"/>
-          </p:nvPr>
-        </p:nvSpPr>
-        <p:spPr/>
-        <p:txBody>
-          <a:bodyPr/>
-          <a:lstStyle/>
-          <a:p>
-            <a:r>
-              <a:rPr lang="en-US" dirty="0" smtClean="0"/>
-              <a:t>Exercise:</a:t>
-            </a:r>
-            <a:r>
-              <a:rPr lang="en-US" dirty="0" smtClean="0"/>
-              <a:t> compilation</a:t>
-            </a:r>
-            <a:endParaRPr lang="en-US" dirty="0"/>
-          </a:p>
-        </p:txBody>
-      </p:sp>
-      <p:sp>
-        <p:nvSpPr>
-          <p:cNvPr id="3" name="Content Placeholder 2"/>
-          <p:cNvSpPr>
-            <a:spLocks noGrp="1"/>
-          </p:cNvSpPr>
-          <p:nvPr>
-            <p:ph idx="1"/>
-          </p:nvPr>
-        </p:nvSpPr>
-        <p:spPr/>
-        <p:txBody>
-          <a:bodyPr/>
-          <a:lstStyle/>
-          <a:p>
-            <a:r>
-              <a:rPr lang="en-US" dirty="0" smtClean="0"/>
-              <a:t>Compile BWA</a:t>
-            </a:r>
-          </a:p>
-          <a:p>
-            <a:r>
-              <a:rPr lang="en-US" dirty="0" smtClean="0"/>
-              <a:t>Compile </a:t>
-            </a:r>
-            <a:r>
-              <a:rPr lang="en-US" dirty="0" err="1" smtClean="0"/>
-              <a:t>Samtools</a:t>
-            </a:r>
-            <a:endParaRPr lang="en-US" dirty="0" smtClean="0"/>
-          </a:p>
-          <a:p>
-            <a:r>
-              <a:rPr lang="en-US" dirty="0" smtClean="0"/>
-              <a:t>(Compile NCBI standalone BLAST)</a:t>
-            </a:r>
-            <a:endParaRPr lang="en-US" dirty="0"/>
-          </a:p>
-        </p:txBody>
-      </p:sp>
-    </p:spTree>
-  </p:cSld>
-  <p:clrMapOvr>
-    <a:masterClrMapping/>
-  </p:clrMapOvr>
+  <p:timing>
+    <p:tnLst>
+      <p:par>
+        <p:cTn id="1" dur="indefinite" restart="never" nodeType="tmRoot"/>
+      </p:par>
+    </p:tnLst>
+  </p:timing>
 </p:sld>
 </file>
 
@@ -3956,11 +3869,7 @@
             <a:pPr lvl="1"/>
             <a:r>
               <a:rPr lang="en-US" dirty="0" smtClean="0"/>
-              <a:t>C</a:t>
-            </a:r>
-            <a:r>
-              <a:rPr lang="en-US" dirty="0" smtClean="0"/>
-              <a:t>ollapse duplicates</a:t>
+              <a:t>Collapse duplicates</a:t>
             </a:r>
           </a:p>
           <a:p>
@@ -4011,6 +3920,13 @@
   <p:clrMapOvr>
     <a:masterClrMapping/>
   </p:clrMapOvr>
+  <p:timing>
+    <p:tnLst>
+      <p:par>
+        <p:cTn id="1" dur="indefinite" restart="never" nodeType="tmRoot"/>
+      </p:par>
+    </p:tnLst>
+  </p:timing>
 </p:sld>
 </file>
 
@@ -4071,11 +3987,7 @@
           <a:p>
             <a:r>
               <a:rPr lang="en-US" dirty="0" smtClean="0"/>
-              <a:t>Many data cleaning steps can be</a:t>
-            </a:r>
-            <a:r>
-              <a:rPr lang="en-US" dirty="0" smtClean="0"/>
-              <a:t> programmed with common open source bioinformatics toolkits</a:t>
+              <a:t>Many data cleaning steps can be programmed with common open source bioinformatics toolkits</a:t>
             </a:r>
           </a:p>
           <a:p>
@@ -4112,6 +4024,13 @@
   <p:clrMapOvr>
     <a:masterClrMapping/>
   </p:clrMapOvr>
+  <p:timing>
+    <p:tnLst>
+      <p:par>
+        <p:cTn id="1" dur="indefinite" restart="never" nodeType="tmRoot"/>
+      </p:par>
+    </p:tnLst>
+  </p:timing>
 </p:sld>
 </file>
 
@@ -4149,7 +4068,7 @@
           <a:p>
             <a:r>
               <a:rPr lang="en-US" dirty="0" smtClean="0"/>
-              <a:t>Assembly</a:t>
+              <a:t>Data conversion</a:t>
             </a:r>
             <a:endParaRPr lang="en-US" dirty="0"/>
           </a:p>
@@ -4167,73 +4086,87 @@
         </p:nvSpPr>
         <p:spPr/>
         <p:txBody>
-          <a:bodyPr>
-            <a:normAutofit lnSpcReduction="10000"/>
-          </a:bodyPr>
+          <a:bodyPr/>
           <a:lstStyle/>
           <a:p>
             <a:r>
               <a:rPr lang="en-US" dirty="0" smtClean="0"/>
-              <a:t>De-novo assembly tools:</a:t>
+              <a:t>Command line programs:</a:t>
             </a:r>
           </a:p>
           <a:p>
             <a:pPr lvl="1"/>
             <a:r>
+              <a:rPr lang="en-US" dirty="0" err="1" smtClean="0"/>
+              <a:t>samtools</a:t>
+            </a:r>
+            <a:endParaRPr lang="en-US" dirty="0" smtClean="0"/>
+          </a:p>
+          <a:p>
+            <a:pPr lvl="1"/>
+            <a:r>
+              <a:rPr lang="en-US" dirty="0" err="1" smtClean="0"/>
+              <a:t>picard</a:t>
+            </a:r>
+            <a:endParaRPr lang="en-US" dirty="0" smtClean="0"/>
+          </a:p>
+          <a:p>
+            <a:r>
               <a:rPr lang="en-US" dirty="0" smtClean="0"/>
-              <a:t>SOAP de-novo</a:t>
+              <a:t>APIs:</a:t>
             </a:r>
           </a:p>
           <a:p>
             <a:pPr lvl="1"/>
             <a:r>
+              <a:rPr lang="en-US" dirty="0" err="1" smtClean="0"/>
+              <a:t>Bio::SamTools</a:t>
+            </a:r>
+            <a:r>
               <a:rPr lang="en-US" dirty="0" smtClean="0"/>
-              <a:t>Velvet</a:t>
-            </a:r>
-          </a:p>
-          <a:p>
+              <a:t>, </a:t>
+            </a:r>
+            <a:r>
+              <a:rPr lang="en-US" dirty="0" err="1" smtClean="0"/>
+              <a:t>Bio::SFF</a:t>
+            </a:r>
             <a:r>
               <a:rPr lang="en-US" dirty="0" smtClean="0"/>
-              <a:t>Reference mapping:</a:t>
-            </a:r>
+              <a:t>, </a:t>
+            </a:r>
+            <a:r>
+              <a:rPr lang="en-US" dirty="0" err="1" smtClean="0"/>
+              <a:t>Vcf.pm</a:t>
+            </a:r>
+            <a:endParaRPr lang="en-US" dirty="0" smtClean="0"/>
           </a:p>
           <a:p>
             <a:pPr lvl="1"/>
             <a:r>
+              <a:rPr lang="en-US" dirty="0" err="1" smtClean="0"/>
+              <a:t>Bio::SeqIO</a:t>
+            </a:r>
+            <a:endParaRPr lang="en-US" dirty="0" smtClean="0"/>
+          </a:p>
+          <a:p>
+            <a:pPr lvl="1"/>
+            <a:r>
+              <a:rPr lang="en-US" dirty="0" err="1" smtClean="0"/>
+              <a:t>Bio.SeqIO</a:t>
+            </a:r>
+            <a:endParaRPr lang="en-US" dirty="0" smtClean="0"/>
+          </a:p>
+          <a:p>
+            <a:pPr lvl="1"/>
+            <a:r>
               <a:rPr lang="en-US" dirty="0" smtClean="0"/>
-              <a:t>BWA</a:t>
-            </a:r>
-          </a:p>
-          <a:p>
-            <a:pPr lvl="1"/>
-            <a:r>
-              <a:rPr lang="en-US" dirty="0" smtClean="0"/>
-              <a:t>MAQ</a:t>
-            </a:r>
-          </a:p>
-          <a:p>
-            <a:pPr lvl="1"/>
-            <a:r>
-              <a:rPr lang="en-US" dirty="0" smtClean="0"/>
-              <a:t>Bowtie</a:t>
-            </a:r>
-          </a:p>
-          <a:p>
-            <a:pPr lvl="1"/>
-            <a:r>
-              <a:rPr lang="en-US" dirty="0" smtClean="0"/>
-              <a:t>BFAST</a:t>
-            </a:r>
-          </a:p>
-          <a:p>
-            <a:pPr lvl="1"/>
-            <a:r>
-              <a:rPr lang="en-US" dirty="0" smtClean="0"/>
-              <a:t>MIRA</a:t>
-            </a:r>
-          </a:p>
-          <a:p>
-            <a:endParaRPr lang="en-US" dirty="0"/>
+              <a:t>bio-</a:t>
+            </a:r>
+            <a:r>
+              <a:rPr lang="en-US" dirty="0" err="1" smtClean="0"/>
+              <a:t>ngs</a:t>
+            </a:r>
+            <a:endParaRPr lang="en-US" dirty="0" smtClean="0"/>
           </a:p>
         </p:txBody>
       </p:sp>
@@ -4242,6 +4175,13 @@
   <p:clrMapOvr>
     <a:masterClrMapping/>
   </p:clrMapOvr>
+  <p:timing>
+    <p:tnLst>
+      <p:par>
+        <p:cTn id="1" dur="indefinite" restart="never" nodeType="tmRoot"/>
+      </p:par>
+    </p:tnLst>
+  </p:timing>
 </p:sld>
 </file>
 
@@ -4279,7 +4219,7 @@
           <a:p>
             <a:r>
               <a:rPr lang="en-US" dirty="0" smtClean="0"/>
-              <a:t>Data conversion</a:t>
+              <a:t>Assembly</a:t>
             </a:r>
             <a:endParaRPr lang="en-US" dirty="0"/>
           </a:p>
@@ -4297,28 +4237,72 @@
         </p:nvSpPr>
         <p:spPr/>
         <p:txBody>
-          <a:bodyPr/>
+          <a:bodyPr>
+            <a:normAutofit lnSpcReduction="10000"/>
+          </a:bodyPr>
           <a:lstStyle/>
           <a:p>
             <a:r>
               <a:rPr lang="en-US" dirty="0" smtClean="0"/>
-              <a:t>Command line programs</a:t>
+              <a:t>De-novo assembly tools:</a:t>
             </a:r>
           </a:p>
           <a:p>
             <a:pPr lvl="1"/>
             <a:r>
-              <a:rPr lang="en-US" dirty="0" err="1" smtClean="0"/>
-              <a:t>samtools</a:t>
-            </a:r>
-            <a:endParaRPr lang="en-US" dirty="0" smtClean="0"/>
+              <a:rPr lang="en-US" dirty="0" smtClean="0"/>
+              <a:t>SOAP de-novo</a:t>
+            </a:r>
           </a:p>
           <a:p>
             <a:pPr lvl="1"/>
             <a:r>
-              <a:rPr lang="en-US" dirty="0" err="1" smtClean="0"/>
-              <a:t>picard</a:t>
-            </a:r>
+              <a:rPr lang="en-US" dirty="0" smtClean="0"/>
+              <a:t>Velvet</a:t>
+            </a:r>
+          </a:p>
+          <a:p>
+            <a:r>
+              <a:rPr lang="en-US" dirty="0" smtClean="0"/>
+              <a:t>Reference mapping:</a:t>
+            </a:r>
+          </a:p>
+          <a:p>
+            <a:pPr lvl="1"/>
+            <a:r>
+              <a:rPr lang="en-US" dirty="0" smtClean="0"/>
+              <a:t>BWA</a:t>
+            </a:r>
+          </a:p>
+          <a:p>
+            <a:pPr lvl="1"/>
+            <a:r>
+              <a:rPr lang="en-US" dirty="0" smtClean="0"/>
+              <a:t>MAQ</a:t>
+            </a:r>
+          </a:p>
+          <a:p>
+            <a:pPr lvl="1"/>
+            <a:r>
+              <a:rPr lang="en-US" dirty="0" smtClean="0"/>
+              <a:t>Bowtie</a:t>
+            </a:r>
+          </a:p>
+          <a:p>
+            <a:pPr lvl="1"/>
+            <a:r>
+              <a:rPr lang="en-US" dirty="0" smtClean="0"/>
+              <a:t>BFAST</a:t>
+            </a:r>
+          </a:p>
+          <a:p>
+            <a:pPr lvl="1"/>
+            <a:r>
+              <a:rPr lang="en-US" dirty="0" smtClean="0"/>
+              <a:t>MIRA</a:t>
+            </a:r>
+          </a:p>
+          <a:p>
             <a:endParaRPr lang="en-US" dirty="0"/>
           </a:p>
         </p:txBody>
@@ -4328,6 +4312,13 @@
   <p:clrMapOvr>
     <a:masterClrMapping/>
   </p:clrMapOvr>
+  <p:timing>
+    <p:tnLst>
+      <p:par>
+        <p:cTn id="1" dur="indefinite" restart="never" nodeType="tmRoot"/>
+      </p:par>
+    </p:tnLst>
+  </p:timing>
 </p:sld>
 </file>
 
@@ -4365,7 +4356,7 @@
           <a:p>
             <a:r>
               <a:rPr lang="en-US" dirty="0" smtClean="0"/>
-              <a:t>Integrated suites</a:t>
+              <a:t>The bioinformatics universe</a:t>
             </a:r>
             <a:endParaRPr lang="en-US" dirty="0"/>
           </a:p>
@@ -4387,31 +4378,67 @@
           <a:lstStyle/>
           <a:p>
             <a:r>
+              <a:rPr lang="en-US" b="1" dirty="0" smtClean="0"/>
+              <a:t>Integrated suites </a:t>
+            </a:r>
+            <a:r>
               <a:rPr lang="en-US" dirty="0" smtClean="0"/>
-              <a:t>CLC</a:t>
-            </a:r>
-          </a:p>
-          <a:p>
+              <a:t>(CLC, </a:t>
+            </a:r>
             <a:r>
               <a:rPr lang="en-US" dirty="0" err="1" smtClean="0"/>
               <a:t>Geneious</a:t>
             </a:r>
+            <a:r>
+              <a:rPr lang="en-US" dirty="0" smtClean="0"/>
+              <a:t>, GATK) versus </a:t>
+            </a:r>
+            <a:r>
+              <a:rPr lang="en-US" b="1" dirty="0" smtClean="0"/>
+              <a:t>small utilities </a:t>
+            </a:r>
+            <a:r>
+              <a:rPr lang="en-US" dirty="0" smtClean="0"/>
+              <a:t>versus </a:t>
+            </a:r>
+            <a:r>
+              <a:rPr lang="en-US" b="1" dirty="0" smtClean="0"/>
+              <a:t>APIs</a:t>
+            </a:r>
+          </a:p>
+          <a:p>
+            <a:r>
+              <a:rPr lang="en-US" b="1" dirty="0" smtClean="0"/>
+              <a:t>Graphical user interface</a:t>
+            </a:r>
+            <a:r>
+              <a:rPr lang="en-US" dirty="0" smtClean="0"/>
+              <a:t> versus </a:t>
+            </a:r>
+            <a:r>
+              <a:rPr lang="en-US" b="1" dirty="0" smtClean="0"/>
+              <a:t>command line interface</a:t>
+            </a:r>
             <a:endParaRPr lang="en-US" dirty="0" smtClean="0"/>
           </a:p>
           <a:p>
             <a:r>
-              <a:rPr lang="en-US" dirty="0" err="1" smtClean="0"/>
-              <a:t>Qiime</a:t>
-            </a:r>
-            <a:endParaRPr lang="en-US" dirty="0" smtClean="0"/>
-          </a:p>
-          <a:p>
+              <a:rPr lang="en-US" b="1" dirty="0" smtClean="0"/>
+              <a:t>Open source</a:t>
+            </a:r>
             <a:r>
               <a:rPr lang="en-US" dirty="0" smtClean="0"/>
-              <a:t>GATK</a:t>
-            </a:r>
-          </a:p>
-          <a:p>
+              <a:t> versus restrictive </a:t>
+            </a:r>
+            <a:r>
+              <a:rPr lang="en-US" b="1" dirty="0" smtClean="0"/>
+              <a:t>commercial licenses</a:t>
+            </a:r>
+          </a:p>
+          <a:p>
+            <a:pPr>
+              <a:buNone/>
+            </a:pPr>
             <a:endParaRPr lang="en-US" dirty="0"/>
           </a:p>
         </p:txBody>
@@ -4465,31 +4492,49 @@
           <a:p>
             <a:r>
               <a:rPr lang="en-US" dirty="0" smtClean="0"/>
-              <a:t>Open source and commercial</a:t>
+              <a:t>Periodic table of bioinformatics</a:t>
             </a:r>
             <a:endParaRPr lang="en-US" dirty="0"/>
           </a:p>
         </p:txBody>
       </p:sp>
-      <p:sp>
-        <p:nvSpPr>
-          <p:cNvPr id="3" name="Content Placeholder 2"/>
-          <p:cNvSpPr>
-            <a:spLocks noGrp="1"/>
-          </p:cNvSpPr>
+      <p:pic>
+        <p:nvPicPr>
+          <p:cNvPr id="4" name="Content Placeholder 3" descr="elements-72dpi.pdf"/>
+          <p:cNvPicPr>
+            <a:picLocks noGrp="1" noChangeAspect="1"/>
+          </p:cNvPicPr>
           <p:nvPr>
             <p:ph idx="1"/>
           </p:nvPr>
-        </p:nvSpPr>
-        <p:spPr/>
-        <p:txBody>
-          <a:bodyPr/>
-          <a:lstStyle/>
-          <a:p>
-            <a:endParaRPr lang="en-US"/>
-          </a:p>
-        </p:txBody>
-      </p:sp>
+        </p:nvPicPr>
+        <mc:AlternateContent>
+          <mc:Choice xmlns:ma="http://schemas.microsoft.com/office/mac/drawingml/2008/main" Requires="ma">
+            <p:blipFill>
+              <a:blip r:embed="rId3"/>
+              <a:srcRect l="2525" t="23206"/>
+              <a:stretch>
+                <a:fillRect/>
+              </a:stretch>
+            </p:blipFill>
+          </mc:Choice>
+          <mc:Fallback>
+            <p:blipFill>
+              <a:blip r:embed="rId4"/>
+              <a:srcRect l="2525" t="23206"/>
+              <a:stretch>
+                <a:fillRect/>
+              </a:stretch>
+            </p:blipFill>
+          </mc:Fallback>
+        </mc:AlternateContent>
+        <p:spPr>
+          <a:xfrm>
+            <a:off x="76200" y="1371600"/>
+            <a:ext cx="8944174" cy="4983162"/>
+          </a:xfrm>
+        </p:spPr>
+      </p:pic>
     </p:spTree>
   </p:cSld>
   <p:clrMapOvr>
@@ -4539,7 +4584,7 @@
           <a:p>
             <a:r>
               <a:rPr lang="en-US" dirty="0" smtClean="0"/>
-              <a:t>Graphical and command-line</a:t>
+              <a:t>Exercise: compilation</a:t>
             </a:r>
             <a:endParaRPr lang="en-US" dirty="0"/>
           </a:p>
@@ -4557,105 +4602,132 @@
         </p:nvSpPr>
         <p:spPr/>
         <p:txBody>
-          <a:bodyPr/>
-          <a:lstStyle/>
-          <a:p>
-            <a:endParaRPr lang="en-US"/>
-          </a:p>
-        </p:txBody>
-      </p:sp>
-    </p:spTree>
-  </p:cSld>
-  <p:clrMapOvr>
-    <a:masterClrMapping/>
-  </p:clrMapOvr>
-  <p:timing>
-    <p:tnLst>
-      <p:par>
-        <p:cTn id="1" dur="indefinite" restart="never" nodeType="tmRoot"/>
-      </p:par>
-    </p:tnLst>
-  </p:timing>
-</p:sld>
-</file>
-
-<file path=ppt/slides/slide9.xml><?xml version="1.0" encoding="utf-8"?>
-<p:sld xmlns:a="http://schemas.openxmlformats.org/drawingml/2006/main" xmlns:r="http://schemas.openxmlformats.org/officeDocument/2006/relationships" xmlns:mc="http://schemas.openxmlformats.org/markup-compatibility/2006" xmlns:mv="urn:schemas-microsoft-com:mac:vml" xmlns:p="http://schemas.openxmlformats.org/presentationml/2006/main" mc:Ignorable="mv" mc:PreserveAttributes="mv:*">
-  <p:cSld>
-    <p:spTree>
-      <p:nvGrpSpPr>
-        <p:cNvPr id="1" name=""/>
-        <p:cNvGrpSpPr/>
-        <p:nvPr/>
-      </p:nvGrpSpPr>
-      <p:grpSpPr>
-        <a:xfrm>
-          <a:off x="0" y="0"/>
-          <a:ext cx="0" cy="0"/>
-          <a:chOff x="0" y="0"/>
-          <a:chExt cx="0" cy="0"/>
-        </a:xfrm>
-      </p:grpSpPr>
-      <p:sp>
-        <p:nvSpPr>
-          <p:cNvPr id="2" name="Title 1"/>
-          <p:cNvSpPr>
-            <a:spLocks noGrp="1"/>
-          </p:cNvSpPr>
-          <p:nvPr>
-            <p:ph type="title"/>
-          </p:nvPr>
-        </p:nvSpPr>
-        <p:spPr/>
-        <p:txBody>
-          <a:bodyPr/>
-          <a:lstStyle/>
-          <a:p>
-            <a:r>
-              <a:rPr lang="en-US" dirty="0" smtClean="0"/>
-              <a:t>Periodic table of bioinformatics</a:t>
-            </a:r>
-            <a:endParaRPr lang="en-US" dirty="0"/>
-          </a:p>
-        </p:txBody>
-      </p:sp>
-      <p:pic>
-        <p:nvPicPr>
-          <p:cNvPr id="4" name="Content Placeholder 3" descr="elements-72dpi.pdf"/>
-          <p:cNvPicPr>
-            <a:picLocks noGrp="1" noChangeAspect="1"/>
-          </p:cNvPicPr>
-          <p:nvPr>
-            <p:ph idx="1"/>
-          </p:nvPr>
-        </p:nvPicPr>
-        <mc:AlternateContent>
-          <mc:Choice xmlns:ma="http://schemas.microsoft.com/office/mac/drawingml/2008/main" Requires="ma">
-            <p:blipFill>
-              <a:blip r:embed="rId3"/>
-              <a:srcRect l="2525" t="23206"/>
-              <a:stretch>
-                <a:fillRect/>
-              </a:stretch>
-            </p:blipFill>
-          </mc:Choice>
-          <mc:Fallback>
-            <p:blipFill>
-              <a:blip r:embed="rId4"/>
-              <a:srcRect l="2525" t="23206"/>
-              <a:stretch>
-                <a:fillRect/>
-              </a:stretch>
-            </p:blipFill>
-          </mc:Fallback>
-        </mc:AlternateContent>
-        <p:spPr>
-          <a:xfrm>
-            <a:off x="76200" y="1371600"/>
-            <a:ext cx="8944174" cy="4983162"/>
-          </a:xfrm>
-        </p:spPr>
-      </p:pic>
+          <a:bodyPr>
+            <a:normAutofit lnSpcReduction="10000"/>
+          </a:bodyPr>
+          <a:lstStyle/>
+          <a:p>
+            <a:r>
+              <a:rPr lang="en-US" sz="2400" dirty="0" smtClean="0"/>
+              <a:t>Download BWA: http://bio-</a:t>
+            </a:r>
+            <a:r>
+              <a:rPr lang="en-US" sz="2400" dirty="0" err="1" smtClean="0"/>
+              <a:t>bwa.sourceforge.net</a:t>
+            </a:r>
+            <a:r>
+              <a:rPr lang="en-US" sz="2400" dirty="0" smtClean="0"/>
+              <a:t>/</a:t>
+            </a:r>
+          </a:p>
+          <a:p>
+            <a:r>
+              <a:rPr lang="en-US" sz="2400" dirty="0" smtClean="0"/>
+              <a:t>On the command line:</a:t>
+            </a:r>
+          </a:p>
+          <a:p>
+            <a:pPr lvl="1"/>
+            <a:r>
+              <a:rPr lang="en-US" sz="2000" dirty="0" smtClean="0"/>
+              <a:t>Expand the archive</a:t>
+            </a:r>
+          </a:p>
+          <a:p>
+            <a:pPr lvl="1"/>
+            <a:r>
+              <a:rPr lang="en-US" sz="2000" dirty="0" err="1" smtClean="0"/>
+              <a:t>cd</a:t>
+            </a:r>
+            <a:r>
+              <a:rPr lang="en-US" sz="2000" dirty="0" smtClean="0"/>
+              <a:t> into it</a:t>
+            </a:r>
+          </a:p>
+          <a:p>
+            <a:pPr lvl="1"/>
+            <a:r>
+              <a:rPr lang="en-US" sz="2000" dirty="0" smtClean="0"/>
+              <a:t>run 'make'</a:t>
+            </a:r>
+          </a:p>
+          <a:p>
+            <a:pPr lvl="1"/>
+            <a:r>
+              <a:rPr lang="en-US" sz="2000" dirty="0" smtClean="0"/>
+              <a:t>add the root directory to your PATH environment variable</a:t>
+            </a:r>
+          </a:p>
+          <a:p>
+            <a:r>
+              <a:rPr lang="en-US" sz="2400" dirty="0" smtClean="0"/>
+              <a:t>Download </a:t>
+            </a:r>
+            <a:r>
+              <a:rPr lang="en-US" sz="2400" dirty="0" err="1" smtClean="0"/>
+              <a:t>Samtools</a:t>
+            </a:r>
+            <a:r>
+              <a:rPr lang="en-US" sz="2400" dirty="0" smtClean="0"/>
+              <a:t>: http://</a:t>
+            </a:r>
+            <a:r>
+              <a:rPr lang="en-US" sz="2400" dirty="0" err="1" smtClean="0"/>
+              <a:t>samtools.sourceforge.net</a:t>
+            </a:r>
+            <a:r>
+              <a:rPr lang="en-US" sz="2400" dirty="0" smtClean="0"/>
+              <a:t>/</a:t>
+            </a:r>
+          </a:p>
+          <a:p>
+            <a:r>
+              <a:rPr lang="en-US" sz="2400" dirty="0" smtClean="0"/>
+              <a:t>On the command line:</a:t>
+            </a:r>
+          </a:p>
+          <a:p>
+            <a:pPr lvl="1"/>
+            <a:r>
+              <a:rPr lang="en-US" sz="2000" dirty="0" smtClean="0"/>
+              <a:t>Expand the archive</a:t>
+            </a:r>
+          </a:p>
+          <a:p>
+            <a:pPr lvl="1"/>
+            <a:r>
+              <a:rPr lang="en-US" sz="2000" dirty="0" err="1" smtClean="0"/>
+              <a:t>cd</a:t>
+            </a:r>
+            <a:r>
+              <a:rPr lang="en-US" sz="2000" dirty="0" smtClean="0"/>
+              <a:t> into it</a:t>
+            </a:r>
+          </a:p>
+          <a:p>
+            <a:pPr lvl="1"/>
+            <a:r>
+              <a:rPr lang="en-US" sz="2000" dirty="0" smtClean="0"/>
+              <a:t>run 'make'</a:t>
+            </a:r>
+          </a:p>
+          <a:p>
+            <a:pPr lvl="1"/>
+            <a:r>
+              <a:rPr lang="en-US" sz="2000" dirty="0" smtClean="0"/>
+              <a:t>add the root directory, </a:t>
+            </a:r>
+            <a:r>
+              <a:rPr lang="en-US" sz="2000" dirty="0" err="1" smtClean="0"/>
+              <a:t>bcftools</a:t>
+            </a:r>
+            <a:r>
+              <a:rPr lang="en-US" sz="2000" dirty="0" smtClean="0"/>
+              <a:t> and misc to the PATH</a:t>
+            </a:r>
+          </a:p>
+        </p:txBody>
+      </p:sp>
     </p:spTree>
   </p:cSld>
   <p:clrMapOvr>
